--- a/documents/projectmanagement/Initialisierung/Umfeldanalyse_Stakeholderanalyse.pptx
+++ b/documents/projectmanagement/Initialisierung/Umfeldanalyse_Stakeholderanalyse.pptx
@@ -104,6 +104,11 @@
       </a:defRPr>
     </a:lvl9pPr>
   </p:defaultTextStyle>
+  <p:extLst>
+    <p:ext uri="{EFAFB233-063F-42B5-8137-9DF3F51BA10A}">
+      <p15:sldGuideLst xmlns:p15="http://schemas.microsoft.com/office/powerpoint/2012/main"/>
+    </p:ext>
+  </p:extLst>
 </p:presentation>
 </file>
 
@@ -152,7 +157,6 @@
               <a:rPr lang="de-DE"/>
               <a:t>Titelmasterformat durch Klicken bearbeiten</a:t>
             </a:r>
-            <a:endParaRPr lang="de-DE"/>
           </a:p>
         </p:txBody>
       </p:sp>
@@ -217,7 +221,6 @@
               <a:rPr lang="de-DE"/>
               <a:t>Formatvorlage des Untertitelmasters durch Klicken bearbeiten</a:t>
             </a:r>
-            <a:endParaRPr lang="de-DE"/>
           </a:p>
         </p:txBody>
       </p:sp>
@@ -238,7 +241,7 @@
           <a:p>
             <a:fld id="{25D24D1C-B8B9-4927-9664-45887FFCDFFE}" type="datetimeFigureOut">
               <a:rPr lang="de-DE" smtClean="0"/>
-              <a:t>13.07.2016</a:t>
+              <a:t>26.07.2016</a:t>
             </a:fld>
             <a:endParaRPr lang="de-DE"/>
           </a:p>
@@ -335,7 +338,6 @@
               <a:rPr lang="de-DE"/>
               <a:t>Titelmasterformat durch Klicken bearbeiten</a:t>
             </a:r>
-            <a:endParaRPr lang="de-DE"/>
           </a:p>
         </p:txBody>
       </p:sp>
@@ -387,7 +389,6 @@
               <a:rPr lang="de-DE"/>
               <a:t>Fünfte Ebene</a:t>
             </a:r>
-            <a:endParaRPr lang="de-DE"/>
           </a:p>
         </p:txBody>
       </p:sp>
@@ -408,7 +409,7 @@
           <a:p>
             <a:fld id="{25D24D1C-B8B9-4927-9664-45887FFCDFFE}" type="datetimeFigureOut">
               <a:rPr lang="de-DE" smtClean="0"/>
-              <a:t>13.07.2016</a:t>
+              <a:t>26.07.2016</a:t>
             </a:fld>
             <a:endParaRPr lang="de-DE"/>
           </a:p>
@@ -510,7 +511,6 @@
               <a:rPr lang="de-DE"/>
               <a:t>Titelmasterformat durch Klicken bearbeiten</a:t>
             </a:r>
-            <a:endParaRPr lang="de-DE"/>
           </a:p>
         </p:txBody>
       </p:sp>
@@ -567,7 +567,6 @@
               <a:rPr lang="de-DE"/>
               <a:t>Fünfte Ebene</a:t>
             </a:r>
-            <a:endParaRPr lang="de-DE"/>
           </a:p>
         </p:txBody>
       </p:sp>
@@ -588,7 +587,7 @@
           <a:p>
             <a:fld id="{25D24D1C-B8B9-4927-9664-45887FFCDFFE}" type="datetimeFigureOut">
               <a:rPr lang="de-DE" smtClean="0"/>
-              <a:t>13.07.2016</a:t>
+              <a:t>26.07.2016</a:t>
             </a:fld>
             <a:endParaRPr lang="de-DE"/>
           </a:p>
@@ -685,7 +684,6 @@
               <a:rPr lang="de-DE"/>
               <a:t>Titelmasterformat durch Klicken bearbeiten</a:t>
             </a:r>
-            <a:endParaRPr lang="de-DE"/>
           </a:p>
         </p:txBody>
       </p:sp>
@@ -737,7 +735,6 @@
               <a:rPr lang="de-DE"/>
               <a:t>Fünfte Ebene</a:t>
             </a:r>
-            <a:endParaRPr lang="de-DE"/>
           </a:p>
         </p:txBody>
       </p:sp>
@@ -758,7 +755,7 @@
           <a:p>
             <a:fld id="{25D24D1C-B8B9-4927-9664-45887FFCDFFE}" type="datetimeFigureOut">
               <a:rPr lang="de-DE" smtClean="0"/>
-              <a:t>13.07.2016</a:t>
+              <a:t>26.07.2016</a:t>
             </a:fld>
             <a:endParaRPr lang="de-DE"/>
           </a:p>
@@ -864,7 +861,6 @@
               <a:rPr lang="de-DE"/>
               <a:t>Titelmasterformat durch Klicken bearbeiten</a:t>
             </a:r>
-            <a:endParaRPr lang="de-DE"/>
           </a:p>
         </p:txBody>
       </p:sp>
@@ -1004,7 +1000,7 @@
           <a:p>
             <a:fld id="{25D24D1C-B8B9-4927-9664-45887FFCDFFE}" type="datetimeFigureOut">
               <a:rPr lang="de-DE" smtClean="0"/>
-              <a:t>13.07.2016</a:t>
+              <a:t>26.07.2016</a:t>
             </a:fld>
             <a:endParaRPr lang="de-DE"/>
           </a:p>
@@ -1101,7 +1097,6 @@
               <a:rPr lang="de-DE"/>
               <a:t>Titelmasterformat durch Klicken bearbeiten</a:t>
             </a:r>
-            <a:endParaRPr lang="de-DE"/>
           </a:p>
         </p:txBody>
       </p:sp>
@@ -1158,7 +1153,6 @@
               <a:rPr lang="de-DE"/>
               <a:t>Fünfte Ebene</a:t>
             </a:r>
-            <a:endParaRPr lang="de-DE"/>
           </a:p>
         </p:txBody>
       </p:sp>
@@ -1215,7 +1209,6 @@
               <a:rPr lang="de-DE"/>
               <a:t>Fünfte Ebene</a:t>
             </a:r>
-            <a:endParaRPr lang="de-DE"/>
           </a:p>
         </p:txBody>
       </p:sp>
@@ -1236,7 +1229,7 @@
           <a:p>
             <a:fld id="{25D24D1C-B8B9-4927-9664-45887FFCDFFE}" type="datetimeFigureOut">
               <a:rPr lang="de-DE" smtClean="0"/>
-              <a:t>13.07.2016</a:t>
+              <a:t>26.07.2016</a:t>
             </a:fld>
             <a:endParaRPr lang="de-DE"/>
           </a:p>
@@ -1338,7 +1331,6 @@
               <a:rPr lang="de-DE"/>
               <a:t>Titelmasterformat durch Klicken bearbeiten</a:t>
             </a:r>
-            <a:endParaRPr lang="de-DE"/>
           </a:p>
         </p:txBody>
       </p:sp>
@@ -1460,7 +1452,6 @@
               <a:rPr lang="de-DE"/>
               <a:t>Fünfte Ebene</a:t>
             </a:r>
-            <a:endParaRPr lang="de-DE"/>
           </a:p>
         </p:txBody>
       </p:sp>
@@ -1582,7 +1573,6 @@
               <a:rPr lang="de-DE"/>
               <a:t>Fünfte Ebene</a:t>
             </a:r>
-            <a:endParaRPr lang="de-DE"/>
           </a:p>
         </p:txBody>
       </p:sp>
@@ -1603,7 +1593,7 @@
           <a:p>
             <a:fld id="{25D24D1C-B8B9-4927-9664-45887FFCDFFE}" type="datetimeFigureOut">
               <a:rPr lang="de-DE" smtClean="0"/>
-              <a:t>13.07.2016</a:t>
+              <a:t>26.07.2016</a:t>
             </a:fld>
             <a:endParaRPr lang="de-DE"/>
           </a:p>
@@ -1700,7 +1690,6 @@
               <a:rPr lang="de-DE"/>
               <a:t>Titelmasterformat durch Klicken bearbeiten</a:t>
             </a:r>
-            <a:endParaRPr lang="de-DE"/>
           </a:p>
         </p:txBody>
       </p:sp>
@@ -1721,7 +1710,7 @@
           <a:p>
             <a:fld id="{25D24D1C-B8B9-4927-9664-45887FFCDFFE}" type="datetimeFigureOut">
               <a:rPr lang="de-DE" smtClean="0"/>
-              <a:t>13.07.2016</a:t>
+              <a:t>26.07.2016</a:t>
             </a:fld>
             <a:endParaRPr lang="de-DE"/>
           </a:p>
@@ -1816,7 +1805,7 @@
           <a:p>
             <a:fld id="{25D24D1C-B8B9-4927-9664-45887FFCDFFE}" type="datetimeFigureOut">
               <a:rPr lang="de-DE" smtClean="0"/>
-              <a:t>13.07.2016</a:t>
+              <a:t>26.07.2016</a:t>
             </a:fld>
             <a:endParaRPr lang="de-DE"/>
           </a:p>
@@ -1922,7 +1911,6 @@
               <a:rPr lang="de-DE"/>
               <a:t>Titelmasterformat durch Klicken bearbeiten</a:t>
             </a:r>
-            <a:endParaRPr lang="de-DE"/>
           </a:p>
         </p:txBody>
       </p:sp>
@@ -2007,7 +1995,6 @@
               <a:rPr lang="de-DE"/>
               <a:t>Fünfte Ebene</a:t>
             </a:r>
-            <a:endParaRPr lang="de-DE"/>
           </a:p>
         </p:txBody>
       </p:sp>
@@ -2093,7 +2080,7 @@
           <a:p>
             <a:fld id="{25D24D1C-B8B9-4927-9664-45887FFCDFFE}" type="datetimeFigureOut">
               <a:rPr lang="de-DE" smtClean="0"/>
-              <a:t>13.07.2016</a:t>
+              <a:t>26.07.2016</a:t>
             </a:fld>
             <a:endParaRPr lang="de-DE"/>
           </a:p>
@@ -2199,7 +2186,6 @@
               <a:rPr lang="de-DE"/>
               <a:t>Titelmasterformat durch Klicken bearbeiten</a:t>
             </a:r>
-            <a:endParaRPr lang="de-DE"/>
           </a:p>
         </p:txBody>
       </p:sp>
@@ -2346,7 +2332,7 @@
           <a:p>
             <a:fld id="{25D24D1C-B8B9-4927-9664-45887FFCDFFE}" type="datetimeFigureOut">
               <a:rPr lang="de-DE" smtClean="0"/>
-              <a:t>13.07.2016</a:t>
+              <a:t>26.07.2016</a:t>
             </a:fld>
             <a:endParaRPr lang="de-DE"/>
           </a:p>
@@ -2458,7 +2444,6 @@
               <a:rPr lang="de-DE"/>
               <a:t>Titelmasterformat durch Klicken bearbeiten</a:t>
             </a:r>
-            <a:endParaRPr lang="de-DE"/>
           </a:p>
         </p:txBody>
       </p:sp>
@@ -2520,7 +2505,6 @@
               <a:rPr lang="de-DE"/>
               <a:t>Fünfte Ebene</a:t>
             </a:r>
-            <a:endParaRPr lang="de-DE"/>
           </a:p>
         </p:txBody>
       </p:sp>
@@ -2559,7 +2543,7 @@
           <a:p>
             <a:fld id="{25D24D1C-B8B9-4927-9664-45887FFCDFFE}" type="datetimeFigureOut">
               <a:rPr lang="de-DE" smtClean="0"/>
-              <a:t>13.07.2016</a:t>
+              <a:t>26.07.2016</a:t>
             </a:fld>
             <a:endParaRPr lang="de-DE"/>
           </a:p>
@@ -3001,14 +2985,14 @@
             <p:ph idx="1"/>
             <p:extLst>
               <p:ext uri="{D42A27DB-BD31-4B8C-83A1-F6EECF244321}">
-                <p14:modId xmlns:p14="http://schemas.microsoft.com/office/powerpoint/2010/main" val="4083386745"/>
+                <p14:modId xmlns:p14="http://schemas.microsoft.com/office/powerpoint/2010/main" val="170469946"/>
               </p:ext>
             </p:extLst>
           </p:nvPr>
         </p:nvGraphicFramePr>
         <p:xfrm>
-          <a:off x="838200" y="1825625"/>
-          <a:ext cx="10628871" cy="4426893"/>
+          <a:off x="838200" y="1437005"/>
+          <a:ext cx="10628871" cy="5237262"/>
         </p:xfrm>
         <a:graphic>
           <a:graphicData uri="http://schemas.openxmlformats.org/drawingml/2006/table">
@@ -3137,6 +3121,43 @@
                       <a:pPr algn="l"/>
                       <a:r>
                         <a:rPr lang="de-DE" dirty="0"/>
+                        <a:t>-PM Handbuch</a:t>
+                      </a:r>
+                    </a:p>
+                    <a:p>
+                      <a:pPr algn="l"/>
+                      <a:r>
+                        <a:rPr lang="de-DE" dirty="0"/>
+                        <a:t>-Datenschutzrichtlinien</a:t>
+                      </a:r>
+                    </a:p>
+                    <a:p>
+                      <a:pPr algn="l"/>
+                      <a:r>
+                        <a:rPr lang="de-DE" dirty="0"/>
+                        <a:t>-Dokumentationsrichtlinien</a:t>
+                      </a:r>
+                    </a:p>
+                    <a:p>
+                      <a:pPr algn="l"/>
+                      <a:r>
+                        <a:rPr lang="de-DE" dirty="0"/>
+                        <a:t>-</a:t>
+                      </a:r>
+                      <a:r>
+                        <a:rPr lang="de-DE" dirty="0" err="1"/>
+                        <a:t>Coding</a:t>
+                      </a:r>
+                      <a:r>
+                        <a:rPr lang="de-DE" baseline="0" dirty="0"/>
+                        <a:t> Guidelines</a:t>
+                      </a:r>
+                      <a:endParaRPr lang="de-DE" dirty="0"/>
+                    </a:p>
+                    <a:p>
+                      <a:pPr algn="l"/>
+                      <a:r>
+                        <a:rPr lang="de-DE" dirty="0"/>
                         <a:t>-</a:t>
                       </a:r>
                       <a:r>
@@ -3148,21 +3169,14 @@
                       <a:pPr algn="l"/>
                       <a:r>
                         <a:rPr lang="de-DE" baseline="0" dirty="0"/>
-                        <a:t>-Richtlinien?</a:t>
+                        <a:t>-Richtlinien? -Budget?</a:t>
                       </a:r>
                     </a:p>
                     <a:p>
                       <a:pPr algn="l"/>
                       <a:r>
                         <a:rPr lang="de-DE" baseline="0" dirty="0"/>
-                        <a:t>-Umsatzentwicklung?</a:t>
-                      </a:r>
-                    </a:p>
-                    <a:p>
-                      <a:pPr algn="l"/>
-                      <a:r>
-                        <a:rPr lang="de-DE" baseline="0" dirty="0"/>
-                        <a:t>-Budget?</a:t>
+                        <a:t>-Kommunikation</a:t>
                       </a:r>
                     </a:p>
                     <a:p>
@@ -3187,7 +3201,19 @@
                       <a:pPr algn="l"/>
                       <a:r>
                         <a:rPr lang="de-DE" dirty="0"/>
-                        <a:t>-Wirtschaftsentwicklung</a:t>
+                        <a:t>-Betriebsvereinbarung Supernova</a:t>
+                      </a:r>
+                      <a:r>
+                        <a:rPr lang="de-DE" baseline="0" dirty="0"/>
+                        <a:t> AG</a:t>
+                      </a:r>
+                      <a:endParaRPr lang="de-DE" dirty="0"/>
+                    </a:p>
+                    <a:p>
+                      <a:pPr algn="l"/>
+                      <a:r>
+                        <a:rPr lang="de-DE" dirty="0"/>
+                        <a:t>-Datenschutz</a:t>
                       </a:r>
                     </a:p>
                     <a:p>
@@ -3198,7 +3224,21 @@
                       </a:r>
                       <a:r>
                         <a:rPr lang="de-DE" baseline="0" dirty="0"/>
-                        <a:t> ? Datenschutz?</a:t>
+                        <a:t> / Informationsgesetze</a:t>
+                      </a:r>
+                    </a:p>
+                    <a:p>
+                      <a:pPr algn="l"/>
+                      <a:r>
+                        <a:rPr lang="de-DE" baseline="0" dirty="0"/>
+                        <a:t>-Softwarestandards / Patterns</a:t>
+                      </a:r>
+                    </a:p>
+                    <a:p>
+                      <a:pPr algn="l"/>
+                      <a:r>
+                        <a:rPr lang="de-DE" baseline="0" dirty="0"/>
+                        <a:t>-Kommunikationsstrategie</a:t>
                       </a:r>
                       <a:endParaRPr lang="de-DE" dirty="0"/>
                     </a:p>
@@ -3247,6 +3287,35 @@
                     <a:p>
                       <a:pPr algn="l"/>
                       <a:r>
+                        <a:rPr lang="de-DE" baseline="0" dirty="0"/>
+                        <a:t>-Qualitätsmanagement</a:t>
+                      </a:r>
+                    </a:p>
+                    <a:p>
+                      <a:pPr algn="l"/>
+                      <a:r>
+                        <a:rPr lang="de-DE" baseline="0" dirty="0"/>
+                        <a:t>-Projektteam und Leiter</a:t>
+                      </a:r>
+                    </a:p>
+                    <a:p>
+                      <a:pPr algn="l"/>
+                      <a:r>
+                        <a:rPr lang="de-DE" baseline="0" dirty="0"/>
+                        <a:t>-Geschäftsleitung</a:t>
+                      </a:r>
+                      <a:endParaRPr lang="de-DE" dirty="0"/>
+                    </a:p>
+                  </a:txBody>
+                  <a:tcPr/>
+                </a:tc>
+                <a:tc>
+                  <a:txBody>
+                    <a:bodyPr/>
+                    <a:lstStyle/>
+                    <a:p>
+                      <a:pPr algn="l"/>
+                      <a:r>
                         <a:rPr lang="de-DE" dirty="0"/>
                         <a:t>-Betriebsrat</a:t>
                       </a:r>
@@ -3264,32 +3333,7 @@
                     </a:p>
                     <a:p>
                       <a:pPr algn="l"/>
-                      <a:r>
-                        <a:rPr lang="de-DE" baseline="0"/>
-                        <a:t>-Qualitätsmanagement</a:t>
-                      </a:r>
                       <a:endParaRPr lang="de-DE" dirty="0"/>
-                    </a:p>
-                  </a:txBody>
-                  <a:tcPr/>
-                </a:tc>
-                <a:tc>
-                  <a:txBody>
-                    <a:bodyPr/>
-                    <a:lstStyle/>
-                    <a:p>
-                      <a:pPr algn="l"/>
-                      <a:r>
-                        <a:rPr lang="de-DE" dirty="0"/>
-                        <a:t>-Auftraggeber</a:t>
-                      </a:r>
-                    </a:p>
-                    <a:p>
-                      <a:pPr algn="l"/>
-                      <a:r>
-                        <a:rPr lang="de-DE" dirty="0"/>
-                        <a:t>-Konkurrenz?</a:t>
-                      </a:r>
                     </a:p>
                   </a:txBody>
                   <a:tcPr/>
